--- a/02. Projektsetup/Vorbereitung und Projektsetup.pptx
+++ b/02. Projektsetup/Vorbereitung und Projektsetup.pptx
@@ -295,7 +295,7 @@
               <a:pPr>
                 <a:defRPr/>
               </a:pPr>
-              <a:t>25.09.2015</a:t>
+              <a:t>30.01.2017</a:t>
             </a:fld>
             <a:endParaRPr lang="de-DE"/>
           </a:p>
@@ -494,7 +494,7 @@
               <a:pPr>
                 <a:defRPr/>
               </a:pPr>
-              <a:t>2015-09-25</a:t>
+              <a:t>2017-01-30</a:t>
             </a:fld>
             <a:endParaRPr lang="sv-SE"/>
           </a:p>
@@ -6073,7 +6073,6 @@
               <a:rPr lang="de-DE" altLang="de-DE" dirty="0" smtClean="0"/>
               <a:t>Webanwendung</a:t>
             </a:r>
-            <a:endParaRPr lang="de-DE" altLang="de-DE" dirty="0" smtClean="0"/>
           </a:p>
           <a:p>
             <a:pPr>
@@ -6176,11 +6175,7 @@
             </a:r>
             <a:r>
               <a:rPr lang="de-DE" altLang="de-DE" smtClean="0"/>
-              <a:t> Komponente</a:t>
-            </a:r>
-            <a:r>
-              <a:rPr lang="de-DE" altLang="de-DE" smtClean="0"/>
-              <a:t> </a:t>
+              <a:t> Komponente </a:t>
             </a:r>
             <a:r>
               <a:rPr lang="de-DE" altLang="de-DE" dirty="0" smtClean="0"/>
@@ -6232,7 +6227,7 @@
 </file>
 
 <file path=ppt/slides/slide7.xml><?xml version="1.0" encoding="utf-8"?>
-<p:sld xmlns:a="http://schemas.openxmlformats.org/drawingml/2006/main" xmlns:r="http://schemas.openxmlformats.org/officeDocument/2006/relationships" xmlns:p="http://schemas.openxmlformats.org/presentationml/2006/main">
+<p:sld xmlns:a="http://schemas.openxmlformats.org/drawingml/2006/main" xmlns:r="http://schemas.openxmlformats.org/officeDocument/2006/relationships" xmlns:p="http://schemas.openxmlformats.org/presentationml/2006/main" show="0">
   <p:cSld>
     <p:spTree>
       <p:nvGrpSpPr>
@@ -6378,6 +6373,14 @@
   <p:clrMapOvr>
     <a:masterClrMapping/>
   </p:clrMapOvr>
+  <mc:AlternateContent xmlns:mc="http://schemas.openxmlformats.org/markup-compatibility/2006">
+    <mc:Choice xmlns:p14="http://schemas.microsoft.com/office/powerpoint/2010/main" Requires="p14">
+      <p:transition spd="slow" p14:dur="2000"/>
+    </mc:Choice>
+    <mc:Fallback>
+      <p:transition spd="slow"/>
+    </mc:Fallback>
+  </mc:AlternateContent>
 </p:sld>
 </file>
 

--- a/02. Projektsetup/Vorbereitung und Projektsetup.pptx
+++ b/02. Projektsetup/Vorbereitung und Projektsetup.pptx
@@ -5,10 +5,10 @@
     <p:sldMasterId id="2147484690" r:id="rId1"/>
   </p:sldMasterIdLst>
   <p:notesMasterIdLst>
-    <p:notesMasterId r:id="rId14"/>
+    <p:notesMasterId r:id="rId13"/>
   </p:notesMasterIdLst>
   <p:handoutMasterIdLst>
-    <p:handoutMasterId r:id="rId15"/>
+    <p:handoutMasterId r:id="rId14"/>
   </p:handoutMasterIdLst>
   <p:sldIdLst>
     <p:sldId id="332" r:id="rId2"/>
@@ -17,12 +17,11 @@
     <p:sldId id="362" r:id="rId5"/>
     <p:sldId id="376" r:id="rId6"/>
     <p:sldId id="383" r:id="rId7"/>
-    <p:sldId id="377" r:id="rId8"/>
-    <p:sldId id="378" r:id="rId9"/>
-    <p:sldId id="379" r:id="rId10"/>
-    <p:sldId id="384" r:id="rId11"/>
-    <p:sldId id="385" r:id="rId12"/>
-    <p:sldId id="290" r:id="rId13"/>
+    <p:sldId id="378" r:id="rId8"/>
+    <p:sldId id="379" r:id="rId9"/>
+    <p:sldId id="384" r:id="rId10"/>
+    <p:sldId id="385" r:id="rId11"/>
+    <p:sldId id="290" r:id="rId12"/>
   </p:sldIdLst>
   <p:sldSz cx="12190413" cy="6859588"/>
   <p:notesSz cx="7099300" cy="10234613"/>
@@ -295,7 +294,7 @@
               <a:pPr>
                 <a:defRPr/>
               </a:pPr>
-              <a:t>30.01.2017</a:t>
+              <a:t>24.02.2017</a:t>
             </a:fld>
             <a:endParaRPr lang="de-DE"/>
           </a:p>
@@ -494,7 +493,7 @@
               <a:pPr>
                 <a:defRPr/>
               </a:pPr>
-              <a:t>2017-01-30</a:t>
+              <a:t>2017-02-24</a:t>
             </a:fld>
             <a:endParaRPr lang="sv-SE"/>
           </a:p>
@@ -1044,7 +1043,7 @@
     </p:spTree>
     <p:extLst>
       <p:ext uri="{BB962C8B-B14F-4D97-AF65-F5344CB8AC3E}">
-        <p14:creationId xmlns:p14="http://schemas.microsoft.com/office/powerpoint/2010/main" val="2542417601"/>
+        <p14:creationId xmlns:p14="http://schemas.microsoft.com/office/powerpoint/2010/main" val="2296583352"/>
       </p:ext>
     </p:extLst>
   </p:cSld>
@@ -1111,12 +1110,12 @@
           </a:p>
           <a:p>
             <a:r>
-              <a:rPr lang="de-DE" altLang="de-DE" dirty="0" smtClean="0"/>
+              <a:rPr lang="de-DE" altLang="de-DE" smtClean="0"/>
               <a:t>http://www.asp.net/web-api</a:t>
             </a:r>
           </a:p>
           <a:p>
-            <a:endParaRPr lang="de-DE" dirty="0"/>
+            <a:endParaRPr lang="de-DE"/>
           </a:p>
         </p:txBody>
       </p:sp>
@@ -1152,7 +1151,7 @@
     </p:spTree>
     <p:extLst>
       <p:ext uri="{BB962C8B-B14F-4D97-AF65-F5344CB8AC3E}">
-        <p14:creationId xmlns:p14="http://schemas.microsoft.com/office/powerpoint/2010/main" val="2296583352"/>
+        <p14:creationId xmlns:p14="http://schemas.microsoft.com/office/powerpoint/2010/main" val="2565924163"/>
       </p:ext>
     </p:extLst>
   </p:cSld>
@@ -1181,114 +1180,6 @@
       </p:grpSpPr>
       <p:sp>
         <p:nvSpPr>
-          <p:cNvPr id="2" name="Folienbildplatzhalter 1"/>
-          <p:cNvSpPr>
-            <a:spLocks noGrp="1" noRot="1" noChangeAspect="1"/>
-          </p:cNvSpPr>
-          <p:nvPr>
-            <p:ph type="sldImg"/>
-          </p:nvPr>
-        </p:nvSpPr>
-        <p:spPr/>
-      </p:sp>
-      <p:sp>
-        <p:nvSpPr>
-          <p:cNvPr id="3" name="Notizenplatzhalter 2"/>
-          <p:cNvSpPr>
-            <a:spLocks noGrp="1"/>
-          </p:cNvSpPr>
-          <p:nvPr>
-            <p:ph type="body" idx="1"/>
-          </p:nvPr>
-        </p:nvSpPr>
-        <p:spPr/>
-        <p:txBody>
-          <a:bodyPr/>
-          <a:lstStyle/>
-          <a:p>
-            <a:r>
-              <a:rPr lang="de-DE" altLang="de-DE" dirty="0" smtClean="0"/>
-              <a:t>http://www.asp.net/web-forms/what-is-web-forms</a:t>
-            </a:r>
-          </a:p>
-          <a:p>
-            <a:r>
-              <a:rPr lang="de-DE" altLang="de-DE" dirty="0" smtClean="0"/>
-              <a:t>http://www.asp.net/mvc</a:t>
-            </a:r>
-          </a:p>
-          <a:p>
-            <a:r>
-              <a:rPr lang="de-DE" altLang="de-DE" smtClean="0"/>
-              <a:t>http://www.asp.net/web-api</a:t>
-            </a:r>
-          </a:p>
-          <a:p>
-            <a:endParaRPr lang="de-DE"/>
-          </a:p>
-        </p:txBody>
-      </p:sp>
-      <p:sp>
-        <p:nvSpPr>
-          <p:cNvPr id="4" name="Foliennummernplatzhalter 3"/>
-          <p:cNvSpPr>
-            <a:spLocks noGrp="1"/>
-          </p:cNvSpPr>
-          <p:nvPr>
-            <p:ph type="sldNum" sz="quarter" idx="10"/>
-          </p:nvPr>
-        </p:nvSpPr>
-        <p:spPr/>
-        <p:txBody>
-          <a:bodyPr/>
-          <a:lstStyle/>
-          <a:p>
-            <a:pPr>
-              <a:defRPr/>
-            </a:pPr>
-            <a:fld id="{9FD97EF8-451C-4BD4-A577-78C919C344DB}" type="slidenum">
-              <a:rPr lang="sv-SE" smtClean="0"/>
-              <a:pPr>
-                <a:defRPr/>
-              </a:pPr>
-              <a:t>9</a:t>
-            </a:fld>
-            <a:endParaRPr lang="sv-SE"/>
-          </a:p>
-        </p:txBody>
-      </p:sp>
-    </p:spTree>
-    <p:extLst>
-      <p:ext uri="{BB962C8B-B14F-4D97-AF65-F5344CB8AC3E}">
-        <p14:creationId xmlns:p14="http://schemas.microsoft.com/office/powerpoint/2010/main" val="2565924163"/>
-      </p:ext>
-    </p:extLst>
-  </p:cSld>
-  <p:clrMapOvr>
-    <a:masterClrMapping/>
-  </p:clrMapOvr>
-</p:notes>
-</file>
-
-<file path=ppt/notesSlides/notesSlide5.xml><?xml version="1.0" encoding="utf-8"?>
-<p:notes xmlns:a="http://schemas.openxmlformats.org/drawingml/2006/main" xmlns:r="http://schemas.openxmlformats.org/officeDocument/2006/relationships" xmlns:p="http://schemas.openxmlformats.org/presentationml/2006/main">
-  <p:cSld>
-    <p:spTree>
-      <p:nvGrpSpPr>
-        <p:cNvPr id="1" name=""/>
-        <p:cNvGrpSpPr/>
-        <p:nvPr/>
-      </p:nvGrpSpPr>
-      <p:grpSpPr>
-        <a:xfrm>
-          <a:off x="0" y="0"/>
-          <a:ext cx="0" cy="0"/>
-          <a:chOff x="0" y="0"/>
-          <a:chExt cx="0" cy="0"/>
-        </a:xfrm>
-      </p:grpSpPr>
-      <p:sp>
-        <p:nvSpPr>
           <p:cNvPr id="35842" name="Folienbildplatzhalter 1"/>
           <p:cNvSpPr>
             <a:spLocks noGrp="1" noRot="1" noChangeAspect="1" noTextEdit="1"/>
@@ -1361,7 +1252,7 @@
               <a:pPr>
                 <a:defRPr/>
               </a:pPr>
-              <a:t>12</a:t>
+              <a:t>11</a:t>
             </a:fld>
             <a:endParaRPr lang="sv-SE"/>
           </a:p>
@@ -4909,7 +4800,7 @@
           <a:p>
             <a:r>
               <a:rPr lang="de-DE" dirty="0" smtClean="0"/>
-              <a:t>4. Hands-On: Visual Studio Projektsetup</a:t>
+              <a:t>5. Zusammenfassung</a:t>
             </a:r>
             <a:endParaRPr lang="de-DE" dirty="0"/>
           </a:p>
@@ -4954,18 +4845,6 @@
           <a:bodyPr/>
           <a:lstStyle/>
           <a:p>
-            <a:pPr marL="0" indent="0">
-              <a:lnSpc>
-                <a:spcPct val="150000"/>
-              </a:lnSpc>
-              <a:buNone/>
-            </a:pPr>
-            <a:r>
-              <a:rPr lang="de-DE" dirty="0" smtClean="0"/>
-              <a:t>Ziele:</a:t>
-            </a:r>
-          </a:p>
-          <a:p>
             <a:pPr>
               <a:lnSpc>
                 <a:spcPct val="150000"/>
@@ -4973,7 +4852,7 @@
             </a:pPr>
             <a:r>
               <a:rPr lang="de-DE" dirty="0" smtClean="0"/>
-              <a:t>Ein Microsoft-Konto anlegen</a:t>
+              <a:t>ASP.NET Web API Projektvorlage beinhaltet MVC + Web API</a:t>
             </a:r>
           </a:p>
           <a:p>
@@ -4984,7 +4863,7 @@
             </a:pPr>
             <a:r>
               <a:rPr lang="de-DE" dirty="0" smtClean="0"/>
-              <a:t>Die Projektmappe mit einer ASP.NET Webanwendung erstellen</a:t>
+              <a:t>Projektmappe für Tag 1 + 2 vorbereitet</a:t>
             </a:r>
           </a:p>
           <a:p>
@@ -4995,7 +4874,7 @@
             </a:pPr>
             <a:r>
               <a:rPr lang="de-DE" dirty="0" smtClean="0"/>
-              <a:t>Die Entwicklungspakete aktualisieren</a:t>
+              <a:t>NuGet</a:t>
             </a:r>
           </a:p>
           <a:p>
@@ -5004,18 +4883,25 @@
                 <a:spcPct val="150000"/>
               </a:lnSpc>
             </a:pPr>
-            <a:r>
-              <a:rPr lang="de-DE" dirty="0" smtClean="0"/>
-              <a:t>Die Webanwendung starten</a:t>
-            </a:r>
-            <a:endParaRPr lang="de-DE" dirty="0"/>
+            <a:endParaRPr lang="de-DE" dirty="0" smtClean="0"/>
+          </a:p>
+          <a:p>
+            <a:pPr>
+              <a:lnSpc>
+                <a:spcPct val="150000"/>
+              </a:lnSpc>
+            </a:pPr>
+            <a:r>
+              <a:rPr lang="de-DE" dirty="0"/>
+              <a:t>Nächstes Modul: Datenmodellierung und -abfrage mit dem Entity Framework</a:t>
+            </a:r>
           </a:p>
         </p:txBody>
       </p:sp>
     </p:spTree>
     <p:extLst>
       <p:ext uri="{BB962C8B-B14F-4D97-AF65-F5344CB8AC3E}">
-        <p14:creationId xmlns:p14="http://schemas.microsoft.com/office/powerpoint/2010/main" val="413007392"/>
+        <p14:creationId xmlns:p14="http://schemas.microsoft.com/office/powerpoint/2010/main" val="1458713172"/>
       </p:ext>
     </p:extLst>
   </p:cSld>
@@ -5044,151 +4930,6 @@
       </p:grpSpPr>
       <p:sp>
         <p:nvSpPr>
-          <p:cNvPr id="2" name="Titel 1"/>
-          <p:cNvSpPr>
-            <a:spLocks noGrp="1"/>
-          </p:cNvSpPr>
-          <p:nvPr>
-            <p:ph type="title"/>
-          </p:nvPr>
-        </p:nvSpPr>
-        <p:spPr/>
-        <p:txBody>
-          <a:bodyPr/>
-          <a:lstStyle/>
-          <a:p>
-            <a:r>
-              <a:rPr lang="de-DE" dirty="0" smtClean="0"/>
-              <a:t>5. Zusammenfassung</a:t>
-            </a:r>
-            <a:endParaRPr lang="de-DE" dirty="0"/>
-          </a:p>
-        </p:txBody>
-      </p:sp>
-      <p:sp>
-        <p:nvSpPr>
-          <p:cNvPr id="4" name="Foliennummernplatzhalter 3"/>
-          <p:cNvSpPr>
-            <a:spLocks noGrp="1"/>
-          </p:cNvSpPr>
-          <p:nvPr>
-            <p:ph type="sldNum" sz="quarter" idx="12"/>
-          </p:nvPr>
-        </p:nvSpPr>
-        <p:spPr/>
-        <p:txBody>
-          <a:bodyPr/>
-          <a:lstStyle/>
-          <a:p>
-            <a:fld id="{8F35CB8A-22DD-4279-9E9E-A49CDB5FBE56}" type="slidenum">
-              <a:rPr lang="en-US" smtClean="0"/>
-              <a:pPr/>
-              <a:t>11</a:t>
-            </a:fld>
-            <a:endParaRPr lang="en-US"/>
-          </a:p>
-        </p:txBody>
-      </p:sp>
-      <p:sp>
-        <p:nvSpPr>
-          <p:cNvPr id="3" name="Inhaltsplatzhalter 2"/>
-          <p:cNvSpPr>
-            <a:spLocks noGrp="1"/>
-          </p:cNvSpPr>
-          <p:nvPr>
-            <p:ph idx="1"/>
-          </p:nvPr>
-        </p:nvSpPr>
-        <p:spPr/>
-        <p:txBody>
-          <a:bodyPr/>
-          <a:lstStyle/>
-          <a:p>
-            <a:pPr>
-              <a:lnSpc>
-                <a:spcPct val="150000"/>
-              </a:lnSpc>
-            </a:pPr>
-            <a:r>
-              <a:rPr lang="de-DE" dirty="0" smtClean="0"/>
-              <a:t>ASP.NET Web API Projektvorlage beinhaltet MVC + Web API</a:t>
-            </a:r>
-          </a:p>
-          <a:p>
-            <a:pPr>
-              <a:lnSpc>
-                <a:spcPct val="150000"/>
-              </a:lnSpc>
-            </a:pPr>
-            <a:r>
-              <a:rPr lang="de-DE" dirty="0" smtClean="0"/>
-              <a:t>Projektmappe für Tag 1 + 2 vorbereitet</a:t>
-            </a:r>
-          </a:p>
-          <a:p>
-            <a:pPr>
-              <a:lnSpc>
-                <a:spcPct val="150000"/>
-              </a:lnSpc>
-            </a:pPr>
-            <a:r>
-              <a:rPr lang="de-DE" dirty="0" smtClean="0"/>
-              <a:t>NuGet</a:t>
-            </a:r>
-          </a:p>
-          <a:p>
-            <a:pPr>
-              <a:lnSpc>
-                <a:spcPct val="150000"/>
-              </a:lnSpc>
-            </a:pPr>
-            <a:endParaRPr lang="de-DE" dirty="0" smtClean="0"/>
-          </a:p>
-          <a:p>
-            <a:pPr>
-              <a:lnSpc>
-                <a:spcPct val="150000"/>
-              </a:lnSpc>
-            </a:pPr>
-            <a:r>
-              <a:rPr lang="de-DE" dirty="0"/>
-              <a:t>Nächstes Modul: Datenmodellierung und -abfrage mit dem Entity Framework</a:t>
-            </a:r>
-          </a:p>
-        </p:txBody>
-      </p:sp>
-    </p:spTree>
-    <p:extLst>
-      <p:ext uri="{BB962C8B-B14F-4D97-AF65-F5344CB8AC3E}">
-        <p14:creationId xmlns:p14="http://schemas.microsoft.com/office/powerpoint/2010/main" val="1458713172"/>
-      </p:ext>
-    </p:extLst>
-  </p:cSld>
-  <p:clrMapOvr>
-    <a:masterClrMapping/>
-  </p:clrMapOvr>
-</p:sld>
-</file>
-
-<file path=ppt/slides/slide12.xml><?xml version="1.0" encoding="utf-8"?>
-<p:sld xmlns:a="http://schemas.openxmlformats.org/drawingml/2006/main" xmlns:r="http://schemas.openxmlformats.org/officeDocument/2006/relationships" xmlns:p="http://schemas.openxmlformats.org/presentationml/2006/main">
-  <p:cSld>
-    <p:spTree>
-      <p:nvGrpSpPr>
-        <p:cNvPr id="1" name=""/>
-        <p:cNvGrpSpPr/>
-        <p:nvPr/>
-      </p:nvGrpSpPr>
-      <p:grpSpPr>
-        <a:xfrm>
-          <a:off x="0" y="0"/>
-          <a:ext cx="0" cy="0"/>
-          <a:chOff x="0" y="0"/>
-          <a:chExt cx="0" cy="0"/>
-        </a:xfrm>
-      </p:grpSpPr>
-      <p:sp>
-        <p:nvSpPr>
           <p:cNvPr id="12" name="Foliennummernplatzhalter 11"/>
           <p:cNvSpPr>
             <a:spLocks noGrp="1"/>
@@ -5210,7 +4951,7 @@
               <a:pPr>
                 <a:defRPr/>
               </a:pPr>
-              <a:t>12</a:t>
+              <a:t>11</a:t>
             </a:fld>
             <a:endParaRPr lang="sv-SE" dirty="0"/>
           </a:p>
@@ -5309,7 +5050,7 @@
           <p:nvPr>
             <p:extLst>
               <p:ext uri="{D42A27DB-BD31-4B8C-83A1-F6EECF244321}">
-                <p14:modId xmlns:p14="http://schemas.microsoft.com/office/powerpoint/2010/main" val="1271052137"/>
+                <p14:modId xmlns:p14="http://schemas.microsoft.com/office/powerpoint/2010/main" val="2228614244"/>
               </p:ext>
             </p:extLst>
           </p:nvPr>
@@ -5325,8 +5066,20 @@
                 <a:tableStyleId>{B301B821-A1FF-4177-AEE7-76D212191A09}</a:tableStyleId>
               </a:tblPr>
               <a:tblGrid>
-                <a:gridCol w="1357132"/>
-                <a:gridCol w="7571045"/>
+                <a:gridCol w="1357132">
+                  <a:extLst>
+                    <a:ext uri="{9D8B030D-6E8A-4147-A177-3AD203B41FA5}">
+                      <a16:colId xmlns:a16="http://schemas.microsoft.com/office/drawing/2014/main" val="20000"/>
+                    </a:ext>
+                  </a:extLst>
+                </a:gridCol>
+                <a:gridCol w="7571045">
+                  <a:extLst>
+                    <a:ext uri="{9D8B030D-6E8A-4147-A177-3AD203B41FA5}">
+                      <a16:colId xmlns:a16="http://schemas.microsoft.com/office/drawing/2014/main" val="20001"/>
+                    </a:ext>
+                  </a:extLst>
+                </a:gridCol>
               </a:tblGrid>
               <a:tr h="460287">
                 <a:tc gridSpan="2">
@@ -5373,6 +5126,11 @@
                   </a:txBody>
                   <a:tcPr/>
                 </a:tc>
+                <a:extLst>
+                  <a:ext uri="{0D108BD9-81ED-4DB2-BD59-A6C34878D82A}">
+                    <a16:rowId xmlns:a16="http://schemas.microsoft.com/office/drawing/2014/main" val="10000"/>
+                  </a:ext>
+                </a:extLst>
               </a:tr>
               <a:tr h="370840">
                 <a:tc>
@@ -5403,6 +5161,11 @@
                   </a:txBody>
                   <a:tcPr/>
                 </a:tc>
+                <a:extLst>
+                  <a:ext uri="{0D108BD9-81ED-4DB2-BD59-A6C34878D82A}">
+                    <a16:rowId xmlns:a16="http://schemas.microsoft.com/office/drawing/2014/main" val="10001"/>
+                  </a:ext>
+                </a:extLst>
               </a:tr>
               <a:tr h="370840">
                 <a:tc>
@@ -5429,6 +5192,11 @@
                   </a:txBody>
                   <a:tcPr/>
                 </a:tc>
+                <a:extLst>
+                  <a:ext uri="{0D108BD9-81ED-4DB2-BD59-A6C34878D82A}">
+                    <a16:rowId xmlns:a16="http://schemas.microsoft.com/office/drawing/2014/main" val="10002"/>
+                  </a:ext>
+                </a:extLst>
               </a:tr>
               <a:tr h="370840">
                 <a:tc>
@@ -5455,6 +5223,11 @@
                   </a:txBody>
                   <a:tcPr/>
                 </a:tc>
+                <a:extLst>
+                  <a:ext uri="{0D108BD9-81ED-4DB2-BD59-A6C34878D82A}">
+                    <a16:rowId xmlns:a16="http://schemas.microsoft.com/office/drawing/2014/main" val="10003"/>
+                  </a:ext>
+                </a:extLst>
               </a:tr>
               <a:tr h="370840">
                 <a:tc>
@@ -5462,10 +5235,6 @@
                     <a:bodyPr/>
                     <a:lstStyle/>
                     <a:p>
-                      <a:r>
-                        <a:rPr lang="de-DE" dirty="0" smtClean="0"/>
-                        <a:t>Tag 2</a:t>
-                      </a:r>
                       <a:endParaRPr lang="de-DE" dirty="0"/>
                     </a:p>
                   </a:txBody>
@@ -5485,6 +5254,11 @@
                   </a:txBody>
                   <a:tcPr/>
                 </a:tc>
+                <a:extLst>
+                  <a:ext uri="{0D108BD9-81ED-4DB2-BD59-A6C34878D82A}">
+                    <a16:rowId xmlns:a16="http://schemas.microsoft.com/office/drawing/2014/main" val="10004"/>
+                  </a:ext>
+                </a:extLst>
               </a:tr>
               <a:tr h="370840">
                 <a:tc>
@@ -5492,7 +5266,27 @@
                     <a:bodyPr/>
                     <a:lstStyle/>
                     <a:p>
-                      <a:endParaRPr lang="de-DE" dirty="0"/>
+                      <a:pPr marL="0" marR="0" lvl="0" indent="0" algn="l" defTabSz="914332" rtl="0" eaLnBrk="1" fontAlgn="auto" latinLnBrk="0" hangingPunct="1">
+                        <a:lnSpc>
+                          <a:spcPct val="100000"/>
+                        </a:lnSpc>
+                        <a:spcBef>
+                          <a:spcPts val="0"/>
+                        </a:spcBef>
+                        <a:spcAft>
+                          <a:spcPts val="0"/>
+                        </a:spcAft>
+                        <a:buClrTx/>
+                        <a:buSzTx/>
+                        <a:buFontTx/>
+                        <a:buNone/>
+                        <a:tabLst/>
+                        <a:defRPr/>
+                      </a:pPr>
+                      <a:r>
+                        <a:rPr lang="de-DE" dirty="0" smtClean="0"/>
+                        <a:t>Tag 2</a:t>
+                      </a:r>
                     </a:p>
                   </a:txBody>
                   <a:tcPr/>
@@ -5515,6 +5309,11 @@
                   </a:txBody>
                   <a:tcPr/>
                 </a:tc>
+                <a:extLst>
+                  <a:ext uri="{0D108BD9-81ED-4DB2-BD59-A6C34878D82A}">
+                    <a16:rowId xmlns:a16="http://schemas.microsoft.com/office/drawing/2014/main" val="10005"/>
+                  </a:ext>
+                </a:extLst>
               </a:tr>
               <a:tr h="370840">
                 <a:tc>
@@ -5522,10 +5321,6 @@
                     <a:bodyPr/>
                     <a:lstStyle/>
                     <a:p>
-                      <a:r>
-                        <a:rPr lang="de-DE" dirty="0" smtClean="0"/>
-                        <a:t>Tag 3</a:t>
-                      </a:r>
                       <a:endParaRPr lang="de-DE" dirty="0"/>
                     </a:p>
                   </a:txBody>
@@ -5542,13 +5337,18 @@
                       </a:r>
                       <a:r>
                         <a:rPr lang="de-DE" b="0" baseline="0" dirty="0" smtClean="0"/>
-                        <a:t> | Entwicklung einer App für Windows Phone</a:t>
+                        <a:t> | Entwicklung einer App für die universelle Windows-Plattform</a:t>
                       </a:r>
                       <a:endParaRPr lang="de-DE" b="0" dirty="0"/>
                     </a:p>
                   </a:txBody>
                   <a:tcPr/>
                 </a:tc>
+                <a:extLst>
+                  <a:ext uri="{0D108BD9-81ED-4DB2-BD59-A6C34878D82A}">
+                    <a16:rowId xmlns:a16="http://schemas.microsoft.com/office/drawing/2014/main" val="10006"/>
+                  </a:ext>
+                </a:extLst>
               </a:tr>
             </a:tbl>
           </a:graphicData>
@@ -5873,6 +5673,17 @@
             </a:pPr>
             <a:r>
               <a:rPr lang="de-DE" altLang="de-DE" dirty="0" smtClean="0"/>
+              <a:t>Für die Visual Studio Community Version in der VM</a:t>
+            </a:r>
+          </a:p>
+          <a:p>
+            <a:pPr>
+              <a:lnSpc>
+                <a:spcPct val="150000"/>
+              </a:lnSpc>
+            </a:pPr>
+            <a:r>
+              <a:rPr lang="de-DE" altLang="de-DE" dirty="0" smtClean="0"/>
               <a:t>Entwicklerlizenz wird für die App-Entwicklung benötigt</a:t>
             </a:r>
           </a:p>
@@ -6016,13 +5827,9 @@
             </a:pPr>
             <a:r>
               <a:rPr lang="de-DE" altLang="de-DE" dirty="0" smtClean="0"/>
-              <a:t>Windows 7  / </a:t>
-            </a:r>
-            <a:r>
-              <a:rPr lang="de-DE" altLang="de-DE" b="1" dirty="0" smtClean="0"/>
-              <a:t>8 x64 (Professional oder höher)</a:t>
-            </a:r>
-            <a:endParaRPr lang="de-DE" altLang="de-DE" b="1" dirty="0"/>
+              <a:t>Windows 7  / 8 / 10</a:t>
+            </a:r>
+            <a:endParaRPr lang="de-DE" altLang="de-DE" dirty="0"/>
           </a:p>
           <a:p>
             <a:pPr>
@@ -6036,8 +5843,13 @@
             </a:r>
             <a:r>
               <a:rPr lang="de-DE" altLang="de-DE" dirty="0"/>
-              <a:t>Studio 2013 Update 4 (Community, Professional, Premium oder Ultimate)</a:t>
-            </a:r>
+              <a:t>Studio </a:t>
+            </a:r>
+            <a:r>
+              <a:rPr lang="de-DE" altLang="de-DE" dirty="0" smtClean="0"/>
+              <a:t>2015</a:t>
+            </a:r>
+            <a:endParaRPr lang="de-DE" altLang="de-DE" dirty="0"/>
           </a:p>
           <a:p>
             <a:pPr lvl="1">
@@ -6075,6 +5887,22 @@
             </a:r>
           </a:p>
           <a:p>
+            <a:pPr lvl="1">
+              <a:lnSpc>
+                <a:spcPct val="150000"/>
+              </a:lnSpc>
+            </a:pPr>
+            <a:r>
+              <a:rPr lang="de-DE" altLang="de-DE" dirty="0" smtClean="0"/>
+              <a:t>Mit installierter Windows Universal Plattform + </a:t>
+            </a:r>
+            <a:r>
+              <a:rPr lang="de-DE" altLang="de-DE" smtClean="0"/>
+              <a:t>Windows Emulator</a:t>
+            </a:r>
+            <a:endParaRPr lang="de-DE" altLang="de-DE" dirty="0" smtClean="0"/>
+          </a:p>
+          <a:p>
             <a:pPr>
               <a:lnSpc>
                 <a:spcPct val="150000"/>
@@ -6094,15 +5922,23 @@
             </a:pPr>
             <a:r>
               <a:rPr lang="de-DE" altLang="de-DE" dirty="0" smtClean="0"/>
-              <a:t>Windows </a:t>
+              <a:t>SQL </a:t>
             </a:r>
             <a:r>
               <a:rPr lang="de-DE" altLang="de-DE" dirty="0"/>
-              <a:t>Phone </a:t>
+              <a:t>Server Express </a:t>
             </a:r>
             <a:r>
               <a:rPr lang="de-DE" altLang="de-DE" dirty="0" smtClean="0"/>
-              <a:t>Emulatoren</a:t>
+              <a:t>2012 </a:t>
+            </a:r>
+            <a:r>
+              <a:rPr lang="de-DE" altLang="de-DE" dirty="0"/>
+              <a:t>oder </a:t>
+            </a:r>
+            <a:r>
+              <a:rPr lang="de-DE" altLang="de-DE" dirty="0" smtClean="0"/>
+              <a:t>höher</a:t>
             </a:r>
           </a:p>
           <a:p>
@@ -6113,60 +5949,6 @@
             </a:pPr>
             <a:r>
               <a:rPr lang="de-DE" altLang="de-DE" dirty="0" smtClean="0"/>
-              <a:t>Bei Visual Studio Installation auswählen</a:t>
-            </a:r>
-          </a:p>
-          <a:p>
-            <a:pPr lvl="1">
-              <a:lnSpc>
-                <a:spcPct val="150000"/>
-              </a:lnSpc>
-            </a:pPr>
-            <a:r>
-              <a:rPr lang="de-DE" altLang="de-DE" dirty="0" smtClean="0"/>
-              <a:t>Zusätzliche </a:t>
-            </a:r>
-            <a:r>
-              <a:rPr lang="de-DE" altLang="de-DE" dirty="0"/>
-              <a:t>Installation durchführen: </a:t>
-            </a:r>
-            <a:r>
-              <a:rPr lang="de-DE" altLang="de-DE" dirty="0">
-                <a:hlinkClick r:id="rId2"/>
-              </a:rPr>
-              <a:t>https://</a:t>
-            </a:r>
-            <a:r>
-              <a:rPr lang="de-DE" altLang="de-DE" dirty="0" smtClean="0">
-                <a:hlinkClick r:id="rId2"/>
-              </a:rPr>
-              <a:t>dev.windows.com/de-de/develop/download-phone-sdk</a:t>
-            </a:r>
-            <a:endParaRPr lang="de-DE" altLang="de-DE" dirty="0" smtClean="0"/>
-          </a:p>
-          <a:p>
-            <a:pPr>
-              <a:lnSpc>
-                <a:spcPct val="150000"/>
-              </a:lnSpc>
-            </a:pPr>
-            <a:r>
-              <a:rPr lang="de-DE" altLang="de-DE" dirty="0"/>
-              <a:t>SQL Server Express 2008 oder </a:t>
-            </a:r>
-            <a:r>
-              <a:rPr lang="de-DE" altLang="de-DE" dirty="0" smtClean="0"/>
-              <a:t>höher</a:t>
-            </a:r>
-          </a:p>
-          <a:p>
-            <a:pPr lvl="1">
-              <a:lnSpc>
-                <a:spcPct val="150000"/>
-              </a:lnSpc>
-            </a:pPr>
-            <a:r>
-              <a:rPr lang="de-DE" altLang="de-DE" dirty="0" smtClean="0"/>
               <a:t>Mit </a:t>
             </a:r>
             <a:r>
@@ -6174,16 +5956,8 @@
               <a:t>LocalDb</a:t>
             </a:r>
             <a:r>
-              <a:rPr lang="de-DE" altLang="de-DE" smtClean="0"/>
-              <a:t> Komponente </a:t>
-            </a:r>
-            <a:r>
               <a:rPr lang="de-DE" altLang="de-DE" dirty="0" smtClean="0"/>
-              <a:t>(bei der </a:t>
-            </a:r>
-            <a:r>
-              <a:rPr lang="de-DE" altLang="de-DE" smtClean="0"/>
-              <a:t>Installation auswählen)</a:t>
+              <a:t> Komponente (bei der Installation auswählen)</a:t>
             </a:r>
             <a:endParaRPr lang="de-DE" altLang="de-DE" dirty="0"/>
           </a:p>
@@ -6227,7 +6001,7 @@
 </file>
 
 <file path=ppt/slides/slide7.xml><?xml version="1.0" encoding="utf-8"?>
-<p:sld xmlns:a="http://schemas.openxmlformats.org/drawingml/2006/main" xmlns:r="http://schemas.openxmlformats.org/officeDocument/2006/relationships" xmlns:p="http://schemas.openxmlformats.org/presentationml/2006/main" show="0">
+<p:sld xmlns:a="http://schemas.openxmlformats.org/drawingml/2006/main" xmlns:r="http://schemas.openxmlformats.org/officeDocument/2006/relationships" xmlns:p="http://schemas.openxmlformats.org/presentationml/2006/main">
   <p:cSld>
     <p:spTree>
       <p:nvGrpSpPr>
@@ -6321,8 +6095,19 @@
               </a:lnSpc>
             </a:pPr>
             <a:r>
+              <a:rPr lang="de-DE" altLang="de-DE" b="1" dirty="0" smtClean="0"/>
+              <a:t>Web API</a:t>
+            </a:r>
+          </a:p>
+          <a:p>
+            <a:pPr lvl="1">
+              <a:lnSpc>
+                <a:spcPct val="150000"/>
+              </a:lnSpc>
+            </a:pPr>
+            <a:r>
               <a:rPr lang="de-DE" altLang="de-DE" dirty="0" smtClean="0"/>
-              <a:t>Web API</a:t>
+              <a:t>Beinhaltet MVC-Projekt</a:t>
             </a:r>
           </a:p>
           <a:p>
@@ -6366,21 +6151,13 @@
     </p:spTree>
     <p:extLst>
       <p:ext uri="{BB962C8B-B14F-4D97-AF65-F5344CB8AC3E}">
-        <p14:creationId xmlns:p14="http://schemas.microsoft.com/office/powerpoint/2010/main" val="1671449407"/>
+        <p14:creationId xmlns:p14="http://schemas.microsoft.com/office/powerpoint/2010/main" val="1859232056"/>
       </p:ext>
     </p:extLst>
   </p:cSld>
   <p:clrMapOvr>
     <a:masterClrMapping/>
   </p:clrMapOvr>
-  <mc:AlternateContent xmlns:mc="http://schemas.openxmlformats.org/markup-compatibility/2006">
-    <mc:Choice xmlns:p14="http://schemas.microsoft.com/office/powerpoint/2010/main" Requires="p14">
-      <p:transition spd="slow" p14:dur="2000"/>
-    </mc:Choice>
-    <mc:Fallback>
-      <p:transition spd="slow"/>
-    </mc:Fallback>
-  </mc:AlternateContent>
 </p:sld>
 </file>
 
@@ -6418,7 +6195,11 @@
           <a:p>
             <a:r>
               <a:rPr lang="de-DE" dirty="0" smtClean="0"/>
-              <a:t>2. ASP.NET-Projektvorlagen</a:t>
+              <a:t>3. </a:t>
+            </a:r>
+            <a:r>
+              <a:rPr lang="de-DE" dirty="0" err="1" smtClean="0"/>
+              <a:t>NuGET</a:t>
             </a:r>
             <a:endParaRPr lang="de-DE" dirty="0"/>
           </a:p>
@@ -6438,18 +6219,6 @@
         <p:txBody>
           <a:bodyPr/>
           <a:lstStyle/>
-          <a:p>
-            <a:pPr marL="0" indent="0">
-              <a:lnSpc>
-                <a:spcPct val="150000"/>
-              </a:lnSpc>
-              <a:buNone/>
-            </a:pPr>
-            <a:r>
-              <a:rPr lang="de-DE" altLang="de-DE" dirty="0" smtClean="0"/>
-              <a:t>Verschiedene Projektvorlagen vorhanden:</a:t>
-            </a:r>
-          </a:p>
           <a:p>
             <a:pPr>
               <a:lnSpc>
@@ -6458,7 +6227,7 @@
             </a:pPr>
             <a:r>
               <a:rPr lang="de-DE" altLang="de-DE" dirty="0" smtClean="0"/>
-              <a:t>Web Forms</a:t>
+              <a:t>Paketmanager für .NET</a:t>
             </a:r>
           </a:p>
           <a:p>
@@ -6469,7 +6238,7 @@
             </a:pPr>
             <a:r>
               <a:rPr lang="de-DE" altLang="de-DE" dirty="0" smtClean="0"/>
-              <a:t>MVC</a:t>
+              <a:t>In Visual Studio integriert</a:t>
             </a:r>
           </a:p>
           <a:p>
@@ -6479,30 +6248,8 @@
               </a:lnSpc>
             </a:pPr>
             <a:r>
-              <a:rPr lang="de-DE" altLang="de-DE" b="1" dirty="0" smtClean="0"/>
-              <a:t>Web API</a:t>
-            </a:r>
-          </a:p>
-          <a:p>
-            <a:pPr lvl="1">
-              <a:lnSpc>
-                <a:spcPct val="150000"/>
-              </a:lnSpc>
-            </a:pPr>
-            <a:r>
               <a:rPr lang="de-DE" altLang="de-DE" dirty="0" smtClean="0"/>
-              <a:t>Beinhaltet MVC-Projekt</a:t>
-            </a:r>
-          </a:p>
-          <a:p>
-            <a:pPr>
-              <a:lnSpc>
-                <a:spcPct val="150000"/>
-              </a:lnSpc>
-            </a:pPr>
-            <a:r>
-              <a:rPr lang="de-DE" altLang="de-DE" dirty="0" smtClean="0"/>
-              <a:t>Aufbau der Templates unterscheidet sich je nach VS Version und Update</a:t>
+              <a:t>Pakete der Projektvorlage auf den neusten Stand bringen</a:t>
             </a:r>
             <a:endParaRPr lang="de-DE" altLang="de-DE" dirty="0"/>
           </a:p>
@@ -6527,137 +6274,6 @@
               <a:rPr lang="en-US" smtClean="0"/>
               <a:pPr/>
               <a:t>8</a:t>
-            </a:fld>
-            <a:endParaRPr lang="en-US"/>
-          </a:p>
-        </p:txBody>
-      </p:sp>
-    </p:spTree>
-    <p:extLst>
-      <p:ext uri="{BB962C8B-B14F-4D97-AF65-F5344CB8AC3E}">
-        <p14:creationId xmlns:p14="http://schemas.microsoft.com/office/powerpoint/2010/main" val="1859232056"/>
-      </p:ext>
-    </p:extLst>
-  </p:cSld>
-  <p:clrMapOvr>
-    <a:masterClrMapping/>
-  </p:clrMapOvr>
-</p:sld>
-</file>
-
-<file path=ppt/slides/slide9.xml><?xml version="1.0" encoding="utf-8"?>
-<p:sld xmlns:a="http://schemas.openxmlformats.org/drawingml/2006/main" xmlns:r="http://schemas.openxmlformats.org/officeDocument/2006/relationships" xmlns:p="http://schemas.openxmlformats.org/presentationml/2006/main">
-  <p:cSld>
-    <p:spTree>
-      <p:nvGrpSpPr>
-        <p:cNvPr id="1" name=""/>
-        <p:cNvGrpSpPr/>
-        <p:nvPr/>
-      </p:nvGrpSpPr>
-      <p:grpSpPr>
-        <a:xfrm>
-          <a:off x="0" y="0"/>
-          <a:ext cx="0" cy="0"/>
-          <a:chOff x="0" y="0"/>
-          <a:chExt cx="0" cy="0"/>
-        </a:xfrm>
-      </p:grpSpPr>
-      <p:sp>
-        <p:nvSpPr>
-          <p:cNvPr id="2" name="Titel 1"/>
-          <p:cNvSpPr>
-            <a:spLocks noGrp="1"/>
-          </p:cNvSpPr>
-          <p:nvPr>
-            <p:ph type="title"/>
-          </p:nvPr>
-        </p:nvSpPr>
-        <p:spPr/>
-        <p:txBody>
-          <a:bodyPr/>
-          <a:lstStyle/>
-          <a:p>
-            <a:r>
-              <a:rPr lang="de-DE" dirty="0" smtClean="0"/>
-              <a:t>3. </a:t>
-            </a:r>
-            <a:r>
-              <a:rPr lang="de-DE" dirty="0" err="1" smtClean="0"/>
-              <a:t>NuGET</a:t>
-            </a:r>
-            <a:endParaRPr lang="de-DE" dirty="0"/>
-          </a:p>
-        </p:txBody>
-      </p:sp>
-      <p:sp>
-        <p:nvSpPr>
-          <p:cNvPr id="3" name="Inhaltsplatzhalter 2"/>
-          <p:cNvSpPr>
-            <a:spLocks noGrp="1"/>
-          </p:cNvSpPr>
-          <p:nvPr>
-            <p:ph idx="1"/>
-          </p:nvPr>
-        </p:nvSpPr>
-        <p:spPr/>
-        <p:txBody>
-          <a:bodyPr/>
-          <a:lstStyle/>
-          <a:p>
-            <a:pPr>
-              <a:lnSpc>
-                <a:spcPct val="150000"/>
-              </a:lnSpc>
-            </a:pPr>
-            <a:r>
-              <a:rPr lang="de-DE" altLang="de-DE" dirty="0" smtClean="0"/>
-              <a:t>Paketmanager für .NET</a:t>
-            </a:r>
-          </a:p>
-          <a:p>
-            <a:pPr>
-              <a:lnSpc>
-                <a:spcPct val="150000"/>
-              </a:lnSpc>
-            </a:pPr>
-            <a:r>
-              <a:rPr lang="de-DE" altLang="de-DE" dirty="0" smtClean="0"/>
-              <a:t>In Visual Studio integriert</a:t>
-            </a:r>
-          </a:p>
-          <a:p>
-            <a:pPr>
-              <a:lnSpc>
-                <a:spcPct val="150000"/>
-              </a:lnSpc>
-            </a:pPr>
-            <a:r>
-              <a:rPr lang="de-DE" altLang="de-DE" dirty="0" smtClean="0"/>
-              <a:t>Pakete der Projektvorlage auf den neusten Stand bringen</a:t>
-            </a:r>
-            <a:endParaRPr lang="de-DE" altLang="de-DE" dirty="0"/>
-          </a:p>
-        </p:txBody>
-      </p:sp>
-      <p:sp>
-        <p:nvSpPr>
-          <p:cNvPr id="4" name="Foliennummernplatzhalter 3"/>
-          <p:cNvSpPr>
-            <a:spLocks noGrp="1"/>
-          </p:cNvSpPr>
-          <p:nvPr>
-            <p:ph type="sldNum" sz="quarter" idx="12"/>
-          </p:nvPr>
-        </p:nvSpPr>
-        <p:spPr/>
-        <p:txBody>
-          <a:bodyPr/>
-          <a:lstStyle/>
-          <a:p>
-            <a:fld id="{8F35CB8A-22DD-4279-9E9E-A49CDB5FBE56}" type="slidenum">
-              <a:rPr lang="en-US" smtClean="0"/>
-              <a:pPr/>
-              <a:t>9</a:t>
             </a:fld>
             <a:endParaRPr lang="en-US"/>
           </a:p>
@@ -6697,6 +6313,156 @@
     <p:extLst>
       <p:ext uri="{BB962C8B-B14F-4D97-AF65-F5344CB8AC3E}">
         <p14:creationId xmlns:p14="http://schemas.microsoft.com/office/powerpoint/2010/main" val="3033068797"/>
+      </p:ext>
+    </p:extLst>
+  </p:cSld>
+  <p:clrMapOvr>
+    <a:masterClrMapping/>
+  </p:clrMapOvr>
+</p:sld>
+</file>
+
+<file path=ppt/slides/slide9.xml><?xml version="1.0" encoding="utf-8"?>
+<p:sld xmlns:a="http://schemas.openxmlformats.org/drawingml/2006/main" xmlns:r="http://schemas.openxmlformats.org/officeDocument/2006/relationships" xmlns:p="http://schemas.openxmlformats.org/presentationml/2006/main">
+  <p:cSld>
+    <p:spTree>
+      <p:nvGrpSpPr>
+        <p:cNvPr id="1" name=""/>
+        <p:cNvGrpSpPr/>
+        <p:nvPr/>
+      </p:nvGrpSpPr>
+      <p:grpSpPr>
+        <a:xfrm>
+          <a:off x="0" y="0"/>
+          <a:ext cx="0" cy="0"/>
+          <a:chOff x="0" y="0"/>
+          <a:chExt cx="0" cy="0"/>
+        </a:xfrm>
+      </p:grpSpPr>
+      <p:sp>
+        <p:nvSpPr>
+          <p:cNvPr id="2" name="Titel 1"/>
+          <p:cNvSpPr>
+            <a:spLocks noGrp="1"/>
+          </p:cNvSpPr>
+          <p:nvPr>
+            <p:ph type="title"/>
+          </p:nvPr>
+        </p:nvSpPr>
+        <p:spPr/>
+        <p:txBody>
+          <a:bodyPr/>
+          <a:lstStyle/>
+          <a:p>
+            <a:r>
+              <a:rPr lang="de-DE" dirty="0" smtClean="0"/>
+              <a:t>4. Hands-On: Visual Studio Projektsetup</a:t>
+            </a:r>
+            <a:endParaRPr lang="de-DE" dirty="0"/>
+          </a:p>
+        </p:txBody>
+      </p:sp>
+      <p:sp>
+        <p:nvSpPr>
+          <p:cNvPr id="4" name="Foliennummernplatzhalter 3"/>
+          <p:cNvSpPr>
+            <a:spLocks noGrp="1"/>
+          </p:cNvSpPr>
+          <p:nvPr>
+            <p:ph type="sldNum" sz="quarter" idx="12"/>
+          </p:nvPr>
+        </p:nvSpPr>
+        <p:spPr/>
+        <p:txBody>
+          <a:bodyPr/>
+          <a:lstStyle/>
+          <a:p>
+            <a:fld id="{8F35CB8A-22DD-4279-9E9E-A49CDB5FBE56}" type="slidenum">
+              <a:rPr lang="en-US" smtClean="0"/>
+              <a:pPr/>
+              <a:t>9</a:t>
+            </a:fld>
+            <a:endParaRPr lang="en-US"/>
+          </a:p>
+        </p:txBody>
+      </p:sp>
+      <p:sp>
+        <p:nvSpPr>
+          <p:cNvPr id="3" name="Inhaltsplatzhalter 2"/>
+          <p:cNvSpPr>
+            <a:spLocks noGrp="1"/>
+          </p:cNvSpPr>
+          <p:nvPr>
+            <p:ph idx="1"/>
+          </p:nvPr>
+        </p:nvSpPr>
+        <p:spPr/>
+        <p:txBody>
+          <a:bodyPr/>
+          <a:lstStyle/>
+          <a:p>
+            <a:pPr marL="0" indent="0">
+              <a:lnSpc>
+                <a:spcPct val="150000"/>
+              </a:lnSpc>
+              <a:buNone/>
+            </a:pPr>
+            <a:r>
+              <a:rPr lang="de-DE" dirty="0" smtClean="0"/>
+              <a:t>Ziele:</a:t>
+            </a:r>
+          </a:p>
+          <a:p>
+            <a:pPr>
+              <a:lnSpc>
+                <a:spcPct val="150000"/>
+              </a:lnSpc>
+            </a:pPr>
+            <a:r>
+              <a:rPr lang="de-DE" dirty="0" smtClean="0"/>
+              <a:t>Ein Microsoft-Konto anlegen</a:t>
+            </a:r>
+          </a:p>
+          <a:p>
+            <a:pPr>
+              <a:lnSpc>
+                <a:spcPct val="150000"/>
+              </a:lnSpc>
+            </a:pPr>
+            <a:r>
+              <a:rPr lang="de-DE" dirty="0" smtClean="0"/>
+              <a:t>Die Projektmappe mit einer ASP.NET Webanwendung erstellen</a:t>
+            </a:r>
+          </a:p>
+          <a:p>
+            <a:pPr>
+              <a:lnSpc>
+                <a:spcPct val="150000"/>
+              </a:lnSpc>
+            </a:pPr>
+            <a:r>
+              <a:rPr lang="de-DE" dirty="0" smtClean="0"/>
+              <a:t>Die Entwicklungspakete aktualisieren</a:t>
+            </a:r>
+          </a:p>
+          <a:p>
+            <a:pPr>
+              <a:lnSpc>
+                <a:spcPct val="150000"/>
+              </a:lnSpc>
+            </a:pPr>
+            <a:r>
+              <a:rPr lang="de-DE" dirty="0" smtClean="0"/>
+              <a:t>Die Webanwendung starten</a:t>
+            </a:r>
+            <a:endParaRPr lang="de-DE" dirty="0"/>
+          </a:p>
+        </p:txBody>
+      </p:sp>
+    </p:spTree>
+    <p:extLst>
+      <p:ext uri="{BB962C8B-B14F-4D97-AF65-F5344CB8AC3E}">
+        <p14:creationId xmlns:p14="http://schemas.microsoft.com/office/powerpoint/2010/main" val="413007392"/>
       </p:ext>
     </p:extLst>
   </p:cSld>

--- a/02. Projektsetup/Vorbereitung und Projektsetup.pptx
+++ b/02. Projektsetup/Vorbereitung und Projektsetup.pptx
@@ -19,7 +19,7 @@
     <p:sldId id="383" r:id="rId7"/>
     <p:sldId id="378" r:id="rId8"/>
     <p:sldId id="379" r:id="rId9"/>
-    <p:sldId id="384" r:id="rId10"/>
+    <p:sldId id="386" r:id="rId10"/>
     <p:sldId id="385" r:id="rId11"/>
     <p:sldId id="290" r:id="rId12"/>
   </p:sldIdLst>
@@ -294,7 +294,7 @@
               <a:pPr>
                 <a:defRPr/>
               </a:pPr>
-              <a:t>24.02.2017</a:t>
+              <a:t>03.03.2017</a:t>
             </a:fld>
             <a:endParaRPr lang="de-DE"/>
           </a:p>
@@ -493,7 +493,7 @@
               <a:pPr>
                 <a:defRPr/>
               </a:pPr>
-              <a:t>2017-02-24</a:t>
+              <a:t>2017-03-03</a:t>
             </a:fld>
             <a:endParaRPr lang="sv-SE"/>
           </a:p>
@@ -5673,7 +5673,7 @@
             </a:pPr>
             <a:r>
               <a:rPr lang="de-DE" altLang="de-DE" dirty="0" smtClean="0"/>
-              <a:t>Für die Visual Studio Community Version in der VM</a:t>
+              <a:t>Für die Visual Studio Community </a:t>
             </a:r>
           </a:p>
           <a:p>
@@ -5894,25 +5894,8 @@
             </a:pPr>
             <a:r>
               <a:rPr lang="de-DE" altLang="de-DE" dirty="0" smtClean="0"/>
-              <a:t>Mit installierter Windows Universal Plattform + </a:t>
-            </a:r>
-            <a:r>
-              <a:rPr lang="de-DE" altLang="de-DE" smtClean="0"/>
-              <a:t>Windows Emulator</a:t>
-            </a:r>
-            <a:endParaRPr lang="de-DE" altLang="de-DE" dirty="0" smtClean="0"/>
-          </a:p>
-          <a:p>
-            <a:pPr>
-              <a:lnSpc>
-                <a:spcPct val="150000"/>
-              </a:lnSpc>
-            </a:pPr>
-            <a:r>
-              <a:rPr lang="de-DE" altLang="de-DE" dirty="0" smtClean="0"/>
-              <a:t>Windows Phone SDK</a:t>
-            </a:r>
-            <a:endParaRPr lang="de-DE" altLang="de-DE" dirty="0"/>
+              <a:t>Mit installierter Windows Universal Plattform + Windows Emulatoren</a:t>
+            </a:r>
           </a:p>
           <a:p>
             <a:pPr>
@@ -6341,7 +6324,7 @@
       </p:grpSpPr>
       <p:sp>
         <p:nvSpPr>
-          <p:cNvPr id="2" name="Titel 1"/>
+          <p:cNvPr id="6" name="Titel 5"/>
           <p:cNvSpPr>
             <a:spLocks noGrp="1"/>
           </p:cNvSpPr>
@@ -6356,7 +6339,7 @@
           <a:p>
             <a:r>
               <a:rPr lang="de-DE" dirty="0" smtClean="0"/>
-              <a:t>4. Hands-On: Visual Studio Projektsetup</a:t>
+              <a:t>HANDS-ON</a:t>
             </a:r>
             <a:endParaRPr lang="de-DE" dirty="0"/>
           </a:p>
@@ -6364,12 +6347,39 @@
       </p:sp>
       <p:sp>
         <p:nvSpPr>
+          <p:cNvPr id="7" name="Untertitel 6"/>
+          <p:cNvSpPr>
+            <a:spLocks noGrp="1"/>
+          </p:cNvSpPr>
+          <p:nvPr>
+            <p:ph type="subTitle" idx="1"/>
+          </p:nvPr>
+        </p:nvSpPr>
+        <p:spPr/>
+        <p:txBody>
+          <a:bodyPr/>
+          <a:lstStyle/>
+          <a:p>
+            <a:r>
+              <a:rPr lang="de-DE" smtClean="0"/>
+              <a:t>02. Vorbereitung </a:t>
+            </a:r>
+            <a:r>
+              <a:rPr lang="de-DE" dirty="0" smtClean="0"/>
+              <a:t>und Projektsetup</a:t>
+            </a:r>
+            <a:endParaRPr lang="de-DE" dirty="0"/>
+          </a:p>
+        </p:txBody>
+      </p:sp>
+      <p:sp>
+        <p:nvSpPr>
           <p:cNvPr id="4" name="Foliennummernplatzhalter 3"/>
           <p:cNvSpPr>
             <a:spLocks noGrp="1"/>
           </p:cNvSpPr>
           <p:nvPr>
-            <p:ph type="sldNum" sz="quarter" idx="12"/>
+            <p:ph type="sldNum" sz="quarter" idx="10"/>
           </p:nvPr>
         </p:nvSpPr>
         <p:spPr/>
@@ -6382,87 +6392,14 @@
               <a:pPr/>
               <a:t>9</a:t>
             </a:fld>
-            <a:endParaRPr lang="en-US"/>
-          </a:p>
-        </p:txBody>
-      </p:sp>
-      <p:sp>
-        <p:nvSpPr>
-          <p:cNvPr id="3" name="Inhaltsplatzhalter 2"/>
-          <p:cNvSpPr>
-            <a:spLocks noGrp="1"/>
-          </p:cNvSpPr>
-          <p:nvPr>
-            <p:ph idx="1"/>
-          </p:nvPr>
-        </p:nvSpPr>
-        <p:spPr/>
-        <p:txBody>
-          <a:bodyPr/>
-          <a:lstStyle/>
-          <a:p>
-            <a:pPr marL="0" indent="0">
-              <a:lnSpc>
-                <a:spcPct val="150000"/>
-              </a:lnSpc>
-              <a:buNone/>
-            </a:pPr>
-            <a:r>
-              <a:rPr lang="de-DE" dirty="0" smtClean="0"/>
-              <a:t>Ziele:</a:t>
-            </a:r>
-          </a:p>
-          <a:p>
-            <a:pPr>
-              <a:lnSpc>
-                <a:spcPct val="150000"/>
-              </a:lnSpc>
-            </a:pPr>
-            <a:r>
-              <a:rPr lang="de-DE" dirty="0" smtClean="0"/>
-              <a:t>Ein Microsoft-Konto anlegen</a:t>
-            </a:r>
-          </a:p>
-          <a:p>
-            <a:pPr>
-              <a:lnSpc>
-                <a:spcPct val="150000"/>
-              </a:lnSpc>
-            </a:pPr>
-            <a:r>
-              <a:rPr lang="de-DE" dirty="0" smtClean="0"/>
-              <a:t>Die Projektmappe mit einer ASP.NET Webanwendung erstellen</a:t>
-            </a:r>
-          </a:p>
-          <a:p>
-            <a:pPr>
-              <a:lnSpc>
-                <a:spcPct val="150000"/>
-              </a:lnSpc>
-            </a:pPr>
-            <a:r>
-              <a:rPr lang="de-DE" dirty="0" smtClean="0"/>
-              <a:t>Die Entwicklungspakete aktualisieren</a:t>
-            </a:r>
-          </a:p>
-          <a:p>
-            <a:pPr>
-              <a:lnSpc>
-                <a:spcPct val="150000"/>
-              </a:lnSpc>
-            </a:pPr>
-            <a:r>
-              <a:rPr lang="de-DE" dirty="0" smtClean="0"/>
-              <a:t>Die Webanwendung starten</a:t>
-            </a:r>
-            <a:endParaRPr lang="de-DE" dirty="0"/>
+            <a:endParaRPr lang="en-US" dirty="0"/>
           </a:p>
         </p:txBody>
       </p:sp>
     </p:spTree>
     <p:extLst>
       <p:ext uri="{BB962C8B-B14F-4D97-AF65-F5344CB8AC3E}">
-        <p14:creationId xmlns:p14="http://schemas.microsoft.com/office/powerpoint/2010/main" val="413007392"/>
+        <p14:creationId xmlns:p14="http://schemas.microsoft.com/office/powerpoint/2010/main" val="2065381315"/>
       </p:ext>
     </p:extLst>
   </p:cSld>

--- a/02. Projektsetup/Vorbereitung und Projektsetup.pptx
+++ b/02. Projektsetup/Vorbereitung und Projektsetup.pptx
@@ -294,7 +294,7 @@
               <a:pPr>
                 <a:defRPr/>
               </a:pPr>
-              <a:t>03.03.2017</a:t>
+              <a:t>07.09.2017</a:t>
             </a:fld>
             <a:endParaRPr lang="de-DE"/>
           </a:p>
@@ -493,7 +493,7 @@
               <a:pPr>
                 <a:defRPr/>
               </a:pPr>
-              <a:t>2017-03-03</a:t>
+              <a:t>2017-09-07</a:t>
             </a:fld>
             <a:endParaRPr lang="sv-SE"/>
           </a:p>
@@ -6361,12 +6361,8 @@
           <a:lstStyle/>
           <a:p>
             <a:r>
-              <a:rPr lang="de-DE" smtClean="0"/>
-              <a:t>02. Vorbereitung </a:t>
-            </a:r>
-            <a:r>
               <a:rPr lang="de-DE" dirty="0" smtClean="0"/>
-              <a:t>und Projektsetup</a:t>
+              <a:t>02. Vorbereitung und Projektsetup</a:t>
             </a:r>
             <a:endParaRPr lang="de-DE" dirty="0"/>
           </a:p>

--- a/02. Projektsetup/Vorbereitung und Projektsetup.pptx
+++ b/02. Projektsetup/Vorbereitung und Projektsetup.pptx
@@ -294,7 +294,7 @@
               <a:pPr>
                 <a:defRPr/>
               </a:pPr>
-              <a:t>07.09.2017</a:t>
+              <a:t>13.09.2017</a:t>
             </a:fld>
             <a:endParaRPr lang="de-DE"/>
           </a:p>
@@ -493,7 +493,7 @@
               <a:pPr>
                 <a:defRPr/>
               </a:pPr>
-              <a:t>2017-09-07</a:t>
+              <a:t>2017-09-13</a:t>
             </a:fld>
             <a:endParaRPr lang="sv-SE"/>
           </a:p>
@@ -5428,8 +5428,8 @@
           <a:lstStyle/>
           <a:p>
             <a:r>
-              <a:rPr lang="de-DE" dirty="0" smtClean="0"/>
-              <a:t>Daniel Beckmann</a:t>
+              <a:rPr lang="de-DE" dirty="0"/>
+              <a:t>Sadeq Abu Hantash</a:t>
             </a:r>
             <a:endParaRPr lang="de-DE" dirty="0"/>
           </a:p>

--- a/02. Projektsetup/Vorbereitung und Projektsetup.pptx
+++ b/02. Projektsetup/Vorbereitung und Projektsetup.pptx
@@ -294,7 +294,7 @@
               <a:pPr>
                 <a:defRPr/>
               </a:pPr>
-              <a:t>13.09.2017</a:t>
+              <a:t>22.09.2017</a:t>
             </a:fld>
             <a:endParaRPr lang="de-DE"/>
           </a:p>
@@ -493,7 +493,7 @@
               <a:pPr>
                 <a:defRPr/>
               </a:pPr>
-              <a:t>2017-09-13</a:t>
+              <a:t>2017-09-22</a:t>
             </a:fld>
             <a:endParaRPr lang="sv-SE"/>
           </a:p>
@@ -5431,7 +5431,6 @@
               <a:rPr lang="de-DE" dirty="0"/>
               <a:t>Sadeq Abu Hantash</a:t>
             </a:r>
-            <a:endParaRPr lang="de-DE" dirty="0"/>
           </a:p>
         </p:txBody>
       </p:sp>
@@ -5684,7 +5683,7 @@
             </a:pPr>
             <a:r>
               <a:rPr lang="de-DE" altLang="de-DE" dirty="0" smtClean="0"/>
-              <a:t>Entwicklerlizenz wird für die App-Entwicklung benötigt</a:t>
+              <a:t>Kostenfrei</a:t>
             </a:r>
           </a:p>
           <a:p>
@@ -5694,21 +5693,16 @@
               </a:lnSpc>
             </a:pPr>
             <a:r>
-              <a:rPr lang="de-DE" altLang="de-DE" dirty="0" smtClean="0"/>
-              <a:t>Zum Entwickeln und Testen kostenfrei</a:t>
-            </a:r>
-          </a:p>
-          <a:p>
-            <a:pPr>
-              <a:lnSpc>
-                <a:spcPct val="150000"/>
-              </a:lnSpc>
-            </a:pPr>
+              <a:rPr lang="de-DE" altLang="de-DE" dirty="0" smtClean="0">
+                <a:hlinkClick r:id="rId2"/>
+              </a:rPr>
+              <a:t>http</a:t>
+            </a:r>
             <a:r>
               <a:rPr lang="de-DE" altLang="de-DE" dirty="0">
                 <a:hlinkClick r:id="rId2"/>
               </a:rPr>
-              <a:t>http://www.microsoft.com/de-de/account</a:t>
+              <a:t>://www.microsoft.com/de-de/account</a:t>
             </a:r>
             <a:r>
               <a:rPr lang="de-DE" altLang="de-DE" dirty="0" smtClean="0">
@@ -5827,9 +5821,12 @@
             </a:pPr>
             <a:r>
               <a:rPr lang="de-DE" altLang="de-DE" dirty="0" smtClean="0"/>
-              <a:t>Windows 7  / 8 / 10</a:t>
-            </a:r>
-            <a:endParaRPr lang="de-DE" altLang="de-DE" dirty="0"/>
+              <a:t>Windows 7  / 8 / </a:t>
+            </a:r>
+            <a:r>
+              <a:rPr lang="de-DE" altLang="de-DE" dirty="0" smtClean="0"/>
+              <a:t>10</a:t>
+            </a:r>
           </a:p>
           <a:p>
             <a:pPr>
@@ -5838,64 +5835,10 @@
               </a:lnSpc>
             </a:pPr>
             <a:r>
-              <a:rPr lang="de-DE" altLang="de-DE" dirty="0" smtClean="0"/>
-              <a:t>Visual </a:t>
-            </a:r>
-            <a:r>
-              <a:rPr lang="de-DE" altLang="de-DE" dirty="0"/>
-              <a:t>Studio </a:t>
-            </a:r>
-            <a:r>
-              <a:rPr lang="de-DE" altLang="de-DE" dirty="0" smtClean="0"/>
-              <a:t>2015</a:t>
-            </a:r>
-            <a:endParaRPr lang="de-DE" altLang="de-DE" dirty="0"/>
-          </a:p>
-          <a:p>
-            <a:pPr lvl="1">
-              <a:lnSpc>
-                <a:spcPct val="150000"/>
-              </a:lnSpc>
-            </a:pPr>
-            <a:r>
-              <a:rPr lang="de-DE" altLang="de-DE" dirty="0" smtClean="0"/>
-              <a:t>Mit </a:t>
-            </a:r>
-            <a:r>
-              <a:rPr lang="de-DE" altLang="de-DE" dirty="0"/>
-              <a:t>installiertem Projekttemplate: Visual C# </a:t>
-            </a:r>
-            <a:r>
-              <a:rPr lang="de-DE" altLang="de-DE" dirty="0" smtClean="0"/>
-              <a:t>/ </a:t>
-            </a:r>
-            <a:r>
-              <a:rPr lang="de-DE" altLang="de-DE" dirty="0"/>
-              <a:t>Web </a:t>
-            </a:r>
-            <a:r>
-              <a:rPr lang="de-DE" altLang="de-DE" dirty="0" smtClean="0"/>
-              <a:t>/ </a:t>
-            </a:r>
-            <a:r>
-              <a:rPr lang="de-DE" altLang="de-DE" dirty="0"/>
-              <a:t>ASP.NET </a:t>
-            </a:r>
-            <a:r>
-              <a:rPr lang="de-DE" altLang="de-DE" dirty="0" smtClean="0"/>
-              <a:t>Webanwendung</a:t>
-            </a:r>
-          </a:p>
-          <a:p>
-            <a:pPr lvl="1">
-              <a:lnSpc>
-                <a:spcPct val="150000"/>
-              </a:lnSpc>
-            </a:pPr>
-            <a:r>
-              <a:rPr lang="de-DE" altLang="de-DE" dirty="0" smtClean="0"/>
-              <a:t>Mit installierter Windows Universal Plattform + Windows Emulatoren</a:t>
-            </a:r>
+              <a:rPr lang="de-DE" altLang="de-DE" dirty="0" err="1" smtClean="0"/>
+              <a:t>VirtualBox</a:t>
+            </a:r>
+            <a:endParaRPr lang="de-DE" altLang="de-DE" dirty="0" smtClean="0"/>
           </a:p>
           <a:p>
             <a:pPr>
@@ -5904,43 +5847,8 @@
               </a:lnSpc>
             </a:pPr>
             <a:r>
-              <a:rPr lang="de-DE" altLang="de-DE" dirty="0" smtClean="0"/>
-              <a:t>SQL </a:t>
-            </a:r>
-            <a:r>
               <a:rPr lang="de-DE" altLang="de-DE" dirty="0"/>
-              <a:t>Server Express </a:t>
-            </a:r>
-            <a:r>
-              <a:rPr lang="de-DE" altLang="de-DE" dirty="0" smtClean="0"/>
-              <a:t>2012 </a:t>
-            </a:r>
-            <a:r>
-              <a:rPr lang="de-DE" altLang="de-DE" dirty="0"/>
-              <a:t>oder </a:t>
-            </a:r>
-            <a:r>
-              <a:rPr lang="de-DE" altLang="de-DE" dirty="0" smtClean="0"/>
-              <a:t>höher</a:t>
-            </a:r>
-          </a:p>
-          <a:p>
-            <a:pPr lvl="1">
-              <a:lnSpc>
-                <a:spcPct val="150000"/>
-              </a:lnSpc>
-            </a:pPr>
-            <a:r>
-              <a:rPr lang="de-DE" altLang="de-DE" dirty="0" smtClean="0"/>
-              <a:t>Mit </a:t>
-            </a:r>
-            <a:r>
-              <a:rPr lang="de-DE" altLang="de-DE" dirty="0" err="1" smtClean="0"/>
-              <a:t>LocalDb</a:t>
-            </a:r>
-            <a:r>
-              <a:rPr lang="de-DE" altLang="de-DE" dirty="0" smtClean="0"/>
-              <a:t> Komponente (bei der Installation auswählen)</a:t>
+              <a:t>Image von https://developer.microsoft.com/en-us/windows/downloads/virtual-machines</a:t>
             </a:r>
             <a:endParaRPr lang="de-DE" altLang="de-DE" dirty="0"/>
           </a:p>
